--- a/intel_ocr/steps_for_ocr.pptx
+++ b/intel_ocr/steps_for_ocr.pptx
@@ -6,7 +6,6 @@
   </p:sldMasterIdLst>
   <p:sldIdLst>
     <p:sldId id="256" r:id="rId2"/>
-    <p:sldId id="257" r:id="rId3"/>
   </p:sldIdLst>
   <p:sldSz cx="12192000" cy="6858000"/>
   <p:notesSz cx="6858000" cy="9144000"/>
@@ -244,7 +243,7 @@
           <a:p>
             <a:fld id="{70EA09C1-E353-411E-8DC8-5DF8DA5BF8B6}" type="datetimeFigureOut">
               <a:rPr lang="en-US" smtClean="0"/>
-              <a:t>04-Sep-19</a:t>
+              <a:t>29-Sep-19</a:t>
             </a:fld>
             <a:endParaRPr lang="en-US"/>
           </a:p>
@@ -414,7 +413,7 @@
           <a:p>
             <a:fld id="{70EA09C1-E353-411E-8DC8-5DF8DA5BF8B6}" type="datetimeFigureOut">
               <a:rPr lang="en-US" smtClean="0"/>
-              <a:t>04-Sep-19</a:t>
+              <a:t>29-Sep-19</a:t>
             </a:fld>
             <a:endParaRPr lang="en-US"/>
           </a:p>
@@ -594,7 +593,7 @@
           <a:p>
             <a:fld id="{70EA09C1-E353-411E-8DC8-5DF8DA5BF8B6}" type="datetimeFigureOut">
               <a:rPr lang="en-US" smtClean="0"/>
-              <a:t>04-Sep-19</a:t>
+              <a:t>29-Sep-19</a:t>
             </a:fld>
             <a:endParaRPr lang="en-US"/>
           </a:p>
@@ -764,7 +763,7 @@
           <a:p>
             <a:fld id="{70EA09C1-E353-411E-8DC8-5DF8DA5BF8B6}" type="datetimeFigureOut">
               <a:rPr lang="en-US" smtClean="0"/>
-              <a:t>04-Sep-19</a:t>
+              <a:t>29-Sep-19</a:t>
             </a:fld>
             <a:endParaRPr lang="en-US"/>
           </a:p>
@@ -1010,7 +1009,7 @@
           <a:p>
             <a:fld id="{70EA09C1-E353-411E-8DC8-5DF8DA5BF8B6}" type="datetimeFigureOut">
               <a:rPr lang="en-US" smtClean="0"/>
-              <a:t>04-Sep-19</a:t>
+              <a:t>29-Sep-19</a:t>
             </a:fld>
             <a:endParaRPr lang="en-US"/>
           </a:p>
@@ -1242,7 +1241,7 @@
           <a:p>
             <a:fld id="{70EA09C1-E353-411E-8DC8-5DF8DA5BF8B6}" type="datetimeFigureOut">
               <a:rPr lang="en-US" smtClean="0"/>
-              <a:t>04-Sep-19</a:t>
+              <a:t>29-Sep-19</a:t>
             </a:fld>
             <a:endParaRPr lang="en-US"/>
           </a:p>
@@ -1609,7 +1608,7 @@
           <a:p>
             <a:fld id="{70EA09C1-E353-411E-8DC8-5DF8DA5BF8B6}" type="datetimeFigureOut">
               <a:rPr lang="en-US" smtClean="0"/>
-              <a:t>04-Sep-19</a:t>
+              <a:t>29-Sep-19</a:t>
             </a:fld>
             <a:endParaRPr lang="en-US"/>
           </a:p>
@@ -1727,7 +1726,7 @@
           <a:p>
             <a:fld id="{70EA09C1-E353-411E-8DC8-5DF8DA5BF8B6}" type="datetimeFigureOut">
               <a:rPr lang="en-US" smtClean="0"/>
-              <a:t>04-Sep-19</a:t>
+              <a:t>29-Sep-19</a:t>
             </a:fld>
             <a:endParaRPr lang="en-US"/>
           </a:p>
@@ -1822,7 +1821,7 @@
           <a:p>
             <a:fld id="{70EA09C1-E353-411E-8DC8-5DF8DA5BF8B6}" type="datetimeFigureOut">
               <a:rPr lang="en-US" smtClean="0"/>
-              <a:t>04-Sep-19</a:t>
+              <a:t>29-Sep-19</a:t>
             </a:fld>
             <a:endParaRPr lang="en-US"/>
           </a:p>
@@ -2099,7 +2098,7 @@
           <a:p>
             <a:fld id="{70EA09C1-E353-411E-8DC8-5DF8DA5BF8B6}" type="datetimeFigureOut">
               <a:rPr lang="en-US" smtClean="0"/>
-              <a:t>04-Sep-19</a:t>
+              <a:t>29-Sep-19</a:t>
             </a:fld>
             <a:endParaRPr lang="en-US"/>
           </a:p>
@@ -2352,7 +2351,7 @@
           <a:p>
             <a:fld id="{70EA09C1-E353-411E-8DC8-5DF8DA5BF8B6}" type="datetimeFigureOut">
               <a:rPr lang="en-US" smtClean="0"/>
-              <a:t>04-Sep-19</a:t>
+              <a:t>29-Sep-19</a:t>
             </a:fld>
             <a:endParaRPr lang="en-US"/>
           </a:p>
@@ -2565,7 +2564,7 @@
           <a:p>
             <a:fld id="{70EA09C1-E353-411E-8DC8-5DF8DA5BF8B6}" type="datetimeFigureOut">
               <a:rPr lang="en-US" smtClean="0"/>
-              <a:t>04-Sep-19</a:t>
+              <a:t>29-Sep-19</a:t>
             </a:fld>
             <a:endParaRPr lang="en-US"/>
           </a:p>
@@ -3799,85 +3798,6 @@
 </p:sld>
 </file>
 
-<file path=ppt/slides/slide2.xml><?xml version="1.0" encoding="utf-8"?>
-<p:sld xmlns:a="http://schemas.openxmlformats.org/drawingml/2006/main" xmlns:r="http://schemas.openxmlformats.org/officeDocument/2006/relationships" xmlns:p="http://schemas.openxmlformats.org/presentationml/2006/main">
-  <p:cSld>
-    <p:spTree>
-      <p:nvGrpSpPr>
-        <p:cNvPr id="1" name=""/>
-        <p:cNvGrpSpPr/>
-        <p:nvPr/>
-      </p:nvGrpSpPr>
-      <p:grpSpPr>
-        <a:xfrm>
-          <a:off x="0" y="0"/>
-          <a:ext cx="0" cy="0"/>
-          <a:chOff x="0" y="0"/>
-          <a:chExt cx="0" cy="0"/>
-        </a:xfrm>
-      </p:grpSpPr>
-      <p:sp>
-        <p:nvSpPr>
-          <p:cNvPr id="2" name="Title 1"/>
-          <p:cNvSpPr>
-            <a:spLocks noGrp="1"/>
-          </p:cNvSpPr>
-          <p:nvPr>
-            <p:ph type="title"/>
-          </p:nvPr>
-        </p:nvSpPr>
-        <p:spPr/>
-        <p:txBody>
-          <a:bodyPr/>
-          <a:lstStyle/>
-          <a:p>
-            <a:r>
-              <a:rPr lang="en-US" dirty="0" smtClean="0"/>
-              <a:t> </a:t>
-            </a:r>
-            <a:endParaRPr lang="en-US" dirty="0"/>
-          </a:p>
-        </p:txBody>
-      </p:sp>
-      <p:sp>
-        <p:nvSpPr>
-          <p:cNvPr id="3" name="Content Placeholder 2"/>
-          <p:cNvSpPr>
-            <a:spLocks noGrp="1"/>
-          </p:cNvSpPr>
-          <p:nvPr>
-            <p:ph idx="1"/>
-          </p:nvPr>
-        </p:nvSpPr>
-        <p:spPr/>
-        <p:txBody>
-          <a:bodyPr/>
-          <a:lstStyle/>
-          <a:p>
-            <a:pPr marL="0" indent="0">
-              <a:buNone/>
-            </a:pPr>
-            <a:r>
-              <a:rPr lang="en-US" dirty="0" smtClean="0"/>
-              <a:t> </a:t>
-            </a:r>
-            <a:endParaRPr lang="en-US" dirty="0"/>
-          </a:p>
-        </p:txBody>
-      </p:sp>
-    </p:spTree>
-    <p:extLst>
-      <p:ext uri="{BB962C8B-B14F-4D97-AF65-F5344CB8AC3E}">
-        <p14:creationId xmlns:p14="http://schemas.microsoft.com/office/powerpoint/2010/main" val="1614495368"/>
-      </p:ext>
-    </p:extLst>
-  </p:cSld>
-  <p:clrMapOvr>
-    <a:masterClrMapping/>
-  </p:clrMapOvr>
-</p:sld>
-</file>
-
 <file path=ppt/theme/theme1.xml><?xml version="1.0" encoding="utf-8"?>
 <a:theme xmlns:a="http://schemas.openxmlformats.org/drawingml/2006/main" name="Office Theme">
   <a:themeElements>
